--- a/proj2/docs/iartfinal.pptx
+++ b/proj2/docs/iartfinal.pptx
@@ -207,7 +207,7 @@
           <a:p>
             <a:fld id="{F44294F6-B623-4C0C-8B0A-DE37EB53E815}" type="datetimeFigureOut">
               <a:rPr lang="pt-PT" smtClean="0"/>
-              <a:t>26/05/2021</a:t>
+              <a:t>28/05/2021</a:t>
             </a:fld>
             <a:endParaRPr lang="pt-PT"/>
           </a:p>
@@ -700,7 +700,7 @@
           <a:p>
             <a:fld id="{73127B9F-1CEF-4C20-BF03-D17360EE4279}" type="datetime1">
               <a:rPr lang="en-US" smtClean="0"/>
-              <a:t>5/26/2021</a:t>
+              <a:t>5/28/2021</a:t>
             </a:fld>
             <a:endParaRPr lang="en-US" dirty="0"/>
           </a:p>
@@ -913,7 +913,7 @@
           <a:p>
             <a:fld id="{9C2AA84B-6463-48D6-9640-AA8D8EC0676F}" type="datetime1">
               <a:rPr lang="en-US" smtClean="0"/>
-              <a:t>5/26/2021</a:t>
+              <a:t>5/28/2021</a:t>
             </a:fld>
             <a:endParaRPr lang="en-US" dirty="0"/>
           </a:p>
@@ -1174,7 +1174,7 @@
           <a:p>
             <a:fld id="{17AEE62D-9B0A-477D-B3AC-2619EA412BF5}" type="datetime1">
               <a:rPr lang="en-US" smtClean="0"/>
-              <a:t>5/26/2021</a:t>
+              <a:t>5/28/2021</a:t>
             </a:fld>
             <a:endParaRPr lang="en-US" dirty="0"/>
           </a:p>
@@ -1349,7 +1349,7 @@
           <a:p>
             <a:fld id="{8861DA35-EAEB-489D-A1AF-9015E3D16DF9}" type="datetime1">
               <a:rPr lang="en-US" smtClean="0"/>
-              <a:t>5/26/2021</a:t>
+              <a:t>5/28/2021</a:t>
             </a:fld>
             <a:endParaRPr lang="en-US" dirty="0"/>
           </a:p>
@@ -1697,7 +1697,7 @@
           <a:p>
             <a:fld id="{72C57D42-48FC-4059-8102-DCAA8818E42F}" type="datetime1">
               <a:rPr lang="en-US" smtClean="0"/>
-              <a:t>5/26/2021</a:t>
+              <a:t>5/28/2021</a:t>
             </a:fld>
             <a:endParaRPr lang="en-US" dirty="0"/>
           </a:p>
@@ -1977,7 +1977,7 @@
           <a:p>
             <a:fld id="{E1632BDA-8E0D-4498-8032-34BF76D7B241}" type="datetime1">
               <a:rPr lang="en-US" smtClean="0"/>
-              <a:t>5/26/2021</a:t>
+              <a:t>5/28/2021</a:t>
             </a:fld>
             <a:endParaRPr lang="en-US" dirty="0"/>
           </a:p>
@@ -2361,7 +2361,7 @@
           <a:p>
             <a:fld id="{74260D5A-4A0B-4CED-8D66-4ADB1195BC89}" type="datetime1">
               <a:rPr lang="en-US" smtClean="0"/>
-              <a:t>5/26/2021</a:t>
+              <a:t>5/28/2021</a:t>
             </a:fld>
             <a:endParaRPr lang="en-US" dirty="0"/>
           </a:p>
@@ -2484,7 +2484,7 @@
           <a:p>
             <a:fld id="{91F6F9B4-FE5D-4101-A65A-2789C0AD46B7}" type="datetime1">
               <a:rPr lang="en-US" smtClean="0"/>
-              <a:t>5/26/2021</a:t>
+              <a:t>5/28/2021</a:t>
             </a:fld>
             <a:endParaRPr lang="en-US" dirty="0"/>
           </a:p>
@@ -2660,7 +2660,7 @@
           <a:p>
             <a:fld id="{180BD065-C9D8-4349-98F7-40EA485F831D}" type="datetime1">
               <a:rPr lang="en-US" smtClean="0"/>
-              <a:t>5/26/2021</a:t>
+              <a:t>5/28/2021</a:t>
             </a:fld>
             <a:endParaRPr lang="en-US" dirty="0"/>
           </a:p>
@@ -3019,7 +3019,7 @@
           <a:p>
             <a:fld id="{BA50BE06-1E37-4C09-8CAB-0552D9D0B473}" type="datetime1">
               <a:rPr lang="en-US" smtClean="0"/>
-              <a:t>5/26/2021</a:t>
+              <a:t>5/28/2021</a:t>
             </a:fld>
             <a:endParaRPr lang="en-US" dirty="0"/>
           </a:p>
@@ -3401,7 +3401,7 @@
           <a:p>
             <a:fld id="{68368B77-A686-46B6-9C66-013E6212C94A}" type="datetime1">
               <a:rPr lang="en-US" smtClean="0"/>
-              <a:t>5/26/2021</a:t>
+              <a:t>5/28/2021</a:t>
             </a:fld>
             <a:endParaRPr lang="en-US" dirty="0"/>
           </a:p>
@@ -3693,7 +3693,7 @@
           <a:p>
             <a:fld id="{3CD9D971-2A51-4AF6-BFC5-14FC66AB3101}" type="datetime1">
               <a:rPr lang="en-US" smtClean="0"/>
-              <a:t>5/26/2021</a:t>
+              <a:t>5/28/2021</a:t>
             </a:fld>
             <a:endParaRPr lang="en-US" dirty="0"/>
           </a:p>
@@ -5148,8 +5148,8 @@
         </p:nvSpPr>
         <p:spPr>
           <a:xfrm>
-            <a:off x="789676" y="516835"/>
-            <a:ext cx="3325125" cy="1966169"/>
+            <a:off x="164783" y="670046"/>
+            <a:ext cx="4260706" cy="1603513"/>
           </a:xfrm>
         </p:spPr>
         <p:txBody>
@@ -5158,14 +5158,36 @@
           </a:bodyPr>
           <a:lstStyle/>
           <a:p>
-            <a:r>
-              <a:rPr lang="en-US" sz="3600">
+            <a:pPr algn="ctr"/>
+            <a:r>
+              <a:rPr lang="en-US" sz="3600" dirty="0" err="1">
                 <a:solidFill>
                   <a:srgbClr val="FFFFFF"/>
                 </a:solidFill>
               </a:rPr>
-              <a:t>Comparação de Algoritmos</a:t>
-            </a:r>
+              <a:t>Comparação</a:t>
+            </a:r>
+            <a:r>
+              <a:rPr lang="en-US" sz="3600" dirty="0">
+                <a:solidFill>
+                  <a:srgbClr val="FFFFFF"/>
+                </a:solidFill>
+              </a:rPr>
+              <a:t> de </a:t>
+            </a:r>
+            <a:r>
+              <a:rPr lang="en-US" sz="3600" dirty="0" err="1">
+                <a:solidFill>
+                  <a:srgbClr val="FFFFFF"/>
+                </a:solidFill>
+              </a:rPr>
+              <a:t>Algoritmos</a:t>
+            </a:r>
+            <a:endParaRPr lang="en-US" sz="3600" dirty="0">
+              <a:solidFill>
+                <a:srgbClr val="FFFFFF"/>
+              </a:solidFill>
+            </a:endParaRPr>
           </a:p>
         </p:txBody>
       </p:sp>
@@ -5183,8 +5205,8 @@
         </p:nvSpPr>
         <p:spPr>
           <a:xfrm>
-            <a:off x="789674" y="2516094"/>
-            <a:ext cx="3325125" cy="3372877"/>
+            <a:off x="618583" y="2743199"/>
+            <a:ext cx="3417113" cy="3444755"/>
           </a:xfrm>
           <a:prstGeom prst="rect">
             <a:avLst/>
@@ -5209,7 +5231,7 @@
               <a:buFont typeface="Calibri" panose="020F0502020204030204" pitchFamily="34" charset="0"/>
             </a:pPr>
             <a:r>
-              <a:rPr lang="en-US">
+              <a:rPr lang="en-US" dirty="0" err="1">
                 <a:solidFill>
                   <a:srgbClr val="FFFFFF"/>
                 </a:solidFill>
@@ -5225,7 +5247,7 @@
               <a:t> a </a:t>
             </a:r>
             <a:r>
-              <a:rPr lang="en-US">
+              <a:rPr lang="en-US" dirty="0" err="1">
                 <a:solidFill>
                   <a:srgbClr val="FFFFFF"/>
                 </a:solidFill>
@@ -5241,7 +5263,7 @@
               <a:t> de </a:t>
             </a:r>
             <a:r>
-              <a:rPr lang="en-US">
+              <a:rPr lang="en-US" dirty="0" err="1">
                 <a:solidFill>
                   <a:srgbClr val="FFFFFF"/>
                 </a:solidFill>
@@ -5257,7 +5279,7 @@
               <a:t> </a:t>
             </a:r>
             <a:r>
-              <a:rPr lang="en-US">
+              <a:rPr lang="en-US" dirty="0" err="1">
                 <a:solidFill>
                   <a:srgbClr val="FFFFFF"/>
                 </a:solidFill>
@@ -5273,7 +5295,7 @@
               <a:t> </a:t>
             </a:r>
             <a:r>
-              <a:rPr lang="en-US">
+              <a:rPr lang="en-US" dirty="0" err="1">
                 <a:solidFill>
                   <a:srgbClr val="FFFFFF"/>
                 </a:solidFill>
@@ -5289,7 +5311,7 @@
               <a:t> </a:t>
             </a:r>
             <a:r>
-              <a:rPr lang="en-US">
+              <a:rPr lang="en-US" dirty="0" err="1">
                 <a:solidFill>
                   <a:srgbClr val="FFFFFF"/>
                 </a:solidFill>
@@ -5305,7 +5327,7 @@
               <a:t> que o Support Vector Machine </a:t>
             </a:r>
             <a:r>
-              <a:rPr lang="en-US">
+              <a:rPr lang="en-US" dirty="0" err="1">
                 <a:solidFill>
                   <a:srgbClr val="FFFFFF"/>
                 </a:solidFill>
@@ -5321,7 +5343,7 @@
               <a:t> </a:t>
             </a:r>
             <a:r>
-              <a:rPr lang="en-US">
+              <a:rPr lang="en-US" dirty="0" err="1">
                 <a:solidFill>
                   <a:srgbClr val="FFFFFF"/>
                 </a:solidFill>
@@ -5337,7 +5359,7 @@
               <a:t> </a:t>
             </a:r>
             <a:r>
-              <a:rPr lang="en-US">
+              <a:rPr lang="en-US" dirty="0" err="1">
                 <a:solidFill>
                   <a:srgbClr val="FFFFFF"/>
                 </a:solidFill>
@@ -5353,7 +5375,7 @@
               <a:t> </a:t>
             </a:r>
             <a:r>
-              <a:rPr lang="en-US">
+              <a:rPr lang="en-US" dirty="0" err="1">
                 <a:solidFill>
                   <a:srgbClr val="FFFFFF"/>
                 </a:solidFill>
@@ -5369,7 +5391,7 @@
               <a:t> </a:t>
             </a:r>
             <a:r>
-              <a:rPr lang="en-US">
+              <a:rPr lang="en-US" dirty="0" err="1">
                 <a:solidFill>
                   <a:srgbClr val="FFFFFF"/>
                 </a:solidFill>
@@ -5385,7 +5407,7 @@
               <a:t> de </a:t>
             </a:r>
             <a:r>
-              <a:rPr lang="en-US">
+              <a:rPr lang="en-US" dirty="0" err="1">
                 <a:solidFill>
                   <a:srgbClr val="FFFFFF"/>
                 </a:solidFill>
@@ -5401,7 +5423,7 @@
               <a:t> </a:t>
             </a:r>
             <a:r>
-              <a:rPr lang="en-US">
+              <a:rPr lang="en-US" dirty="0" err="1">
                 <a:solidFill>
                   <a:srgbClr val="FFFFFF"/>
                 </a:solidFill>
@@ -5417,7 +5439,7 @@
               <a:t> </a:t>
             </a:r>
             <a:r>
-              <a:rPr lang="en-US">
+              <a:rPr lang="en-US" dirty="0" err="1">
                 <a:solidFill>
                   <a:srgbClr val="FFFFFF"/>
                 </a:solidFill>
@@ -5433,7 +5455,7 @@
               <a:t> </a:t>
             </a:r>
             <a:r>
-              <a:rPr lang="en-US">
+              <a:rPr lang="en-US" dirty="0" err="1">
                 <a:solidFill>
                   <a:srgbClr val="FFFFFF"/>
                 </a:solidFill>
@@ -5449,7 +5471,7 @@
               <a:t> </a:t>
             </a:r>
             <a:r>
-              <a:rPr lang="en-US">
+              <a:rPr lang="en-US" dirty="0" err="1">
                 <a:solidFill>
                   <a:srgbClr val="FFFFFF"/>
                 </a:solidFill>
@@ -5465,7 +5487,7 @@
               <a:t> default dos </a:t>
             </a:r>
             <a:r>
-              <a:rPr lang="en-US">
+              <a:rPr lang="en-US" dirty="0" err="1">
                 <a:solidFill>
                   <a:srgbClr val="FFFFFF"/>
                 </a:solidFill>
@@ -5481,7 +5503,7 @@
               <a:t> e de ser o </a:t>
             </a:r>
             <a:r>
-              <a:rPr lang="en-US">
+              <a:rPr lang="en-US" dirty="0" err="1">
                 <a:solidFill>
                   <a:srgbClr val="FFFFFF"/>
                 </a:solidFill>
@@ -5497,7 +5519,7 @@
               <a:t> </a:t>
             </a:r>
             <a:r>
-              <a:rPr lang="en-US">
+              <a:rPr lang="en-US" dirty="0" err="1">
                 <a:solidFill>
                   <a:srgbClr val="FFFFFF"/>
                 </a:solidFill>
@@ -5512,11 +5534,6 @@
               </a:rPr>
               <a:t>.</a:t>
             </a:r>
-            <a:endParaRPr lang="en-US">
-              <a:solidFill>
-                <a:srgbClr val="FFFFFF"/>
-              </a:solidFill>
-            </a:endParaRPr>
           </a:p>
         </p:txBody>
       </p:sp>
@@ -5603,8 +5620,8 @@
         </p:blipFill>
         <p:spPr bwMode="auto">
           <a:xfrm>
-            <a:off x="5138130" y="969029"/>
-            <a:ext cx="6564335" cy="3636997"/>
+            <a:off x="6259797" y="775177"/>
+            <a:ext cx="4732341" cy="2621973"/>
           </a:xfrm>
           <a:prstGeom prst="rect">
             <a:avLst/>
@@ -5619,36 +5636,6 @@
               </a14:hiddenFill>
             </a:ext>
           </a:extLst>
-        </p:spPr>
-      </p:pic>
-      <p:pic>
-        <p:nvPicPr>
-          <p:cNvPr id="7" name="Imagem 6">
-            <a:extLst>
-              <a:ext uri="{FF2B5EF4-FFF2-40B4-BE49-F238E27FC236}">
-                <a16:creationId xmlns:a16="http://schemas.microsoft.com/office/drawing/2014/main" id="{11AD691A-A095-44CA-98D3-CFCD5268690D}"/>
-              </a:ext>
-            </a:extLst>
-          </p:cNvPr>
-          <p:cNvPicPr>
-            <a:picLocks noChangeAspect="1"/>
-          </p:cNvPicPr>
-          <p:nvPr/>
-        </p:nvPicPr>
-        <p:blipFill>
-          <a:blip r:embed="rId3"/>
-          <a:stretch>
-            <a:fillRect/>
-          </a:stretch>
-        </p:blipFill>
-        <p:spPr>
-          <a:xfrm>
-            <a:off x="4904473" y="4823819"/>
-            <a:ext cx="6984611" cy="1065152"/>
-          </a:xfrm>
-          <a:prstGeom prst="rect">
-            <a:avLst/>
-          </a:prstGeom>
         </p:spPr>
       </p:pic>
       <p:sp>
@@ -5685,7 +5672,7 @@
               </a:spcAft>
             </a:pPr>
             <a:fld id="{6D22F896-40B5-4ADD-8801-0D06FADFA095}" type="slidenum">
-              <a:rPr lang="en-US">
+              <a:rPr lang="en-US" smtClean="0">
                 <a:solidFill>
                   <a:schemeClr val="tx2"/>
                 </a:solidFill>
@@ -5705,6 +5692,53 @@
           </a:p>
         </p:txBody>
       </p:sp>
+      <p:pic>
+        <p:nvPicPr>
+          <p:cNvPr id="3" name="Picture 2" descr="Nenhuma descrição disponível.">
+            <a:extLst>
+              <a:ext uri="{FF2B5EF4-FFF2-40B4-BE49-F238E27FC236}">
+                <a16:creationId xmlns:a16="http://schemas.microsoft.com/office/drawing/2014/main" id="{AC852503-54C8-43B6-BA78-DD74A0337E08}"/>
+              </a:ext>
+            </a:extLst>
+          </p:cNvPr>
+          <p:cNvPicPr>
+            <a:picLocks noChangeAspect="1" noChangeArrowheads="1"/>
+          </p:cNvPicPr>
+          <p:nvPr/>
+        </p:nvPicPr>
+        <p:blipFill>
+          <a:blip r:embed="rId3">
+            <a:extLst>
+              <a:ext uri="{28A0092B-C50C-407E-A947-70E740481C1C}">
+                <a14:useLocalDpi xmlns:a14="http://schemas.microsoft.com/office/drawing/2010/main" val="0"/>
+              </a:ext>
+            </a:extLst>
+          </a:blip>
+          <a:srcRect/>
+          <a:stretch>
+            <a:fillRect/>
+          </a:stretch>
+        </p:blipFill>
+        <p:spPr bwMode="auto">
+          <a:xfrm>
+            <a:off x="4903743" y="3613297"/>
+            <a:ext cx="7065268" cy="2414194"/>
+          </a:xfrm>
+          <a:prstGeom prst="rect">
+            <a:avLst/>
+          </a:prstGeom>
+          <a:noFill/>
+          <a:extLst>
+            <a:ext uri="{909E8E84-426E-40DD-AFC4-6F175D3DCCD1}">
+              <a14:hiddenFill xmlns:a14="http://schemas.microsoft.com/office/drawing/2010/main">
+                <a:solidFill>
+                  <a:srgbClr val="FFFFFF"/>
+                </a:solidFill>
+              </a14:hiddenFill>
+            </a:ext>
+          </a:extLst>
+        </p:spPr>
+      </p:pic>
     </p:spTree>
     <p:extLst>
       <p:ext uri="{BB962C8B-B14F-4D97-AF65-F5344CB8AC3E}">
